--- a/ogólny/Prezentacja 1.pptx
+++ b/ogólny/Prezentacja 1.pptx
@@ -108,6 +108,11 @@
       </a:defRPr>
     </a:lvl9pPr>
   </p:defaultTextStyle>
+  <p:extLst>
+    <p:ext uri="{EFAFB233-063F-42B5-8137-9DF3F51BA10A}">
+      <p15:sldGuideLst xmlns:p15="http://schemas.microsoft.com/office/powerpoint/2012/main"/>
+    </p:ext>
+  </p:extLst>
 </p:presentation>
 </file>
 
@@ -193,7 +198,7 @@
           <a:p>
             <a:fld id="{43332721-1742-449A-B2B6-2D3F57F55916}" type="datetimeFigureOut">
               <a:rPr lang="pl-PL" smtClean="0"/>
-              <a:t>14.10.2024</a:t>
+              <a:t>15.10.2024</a:t>
             </a:fld>
             <a:endParaRPr lang="pl-PL"/>
           </a:p>
@@ -547,6 +552,106 @@
 </p:notes>
 </file>
 
+<file path=ppt/notesSlides/notesSlide2.xml><?xml version="1.0" encoding="utf-8"?>
+<p:notes xmlns:a="http://schemas.openxmlformats.org/drawingml/2006/main" xmlns:r="http://schemas.openxmlformats.org/officeDocument/2006/relationships" xmlns:p="http://schemas.openxmlformats.org/presentationml/2006/main">
+  <p:cSld>
+    <p:spTree>
+      <p:nvGrpSpPr>
+        <p:cNvPr id="1" name=""/>
+        <p:cNvGrpSpPr/>
+        <p:nvPr/>
+      </p:nvGrpSpPr>
+      <p:grpSpPr>
+        <a:xfrm>
+          <a:off x="0" y="0"/>
+          <a:ext cx="0" cy="0"/>
+          <a:chOff x="0" y="0"/>
+          <a:chExt cx="0" cy="0"/>
+        </a:xfrm>
+      </p:grpSpPr>
+      <p:sp>
+        <p:nvSpPr>
+          <p:cNvPr id="2" name="Symbol zastępczy obrazu slajdu 1"/>
+          <p:cNvSpPr>
+            <a:spLocks noGrp="1" noRot="1" noChangeAspect="1"/>
+          </p:cNvSpPr>
+          <p:nvPr>
+            <p:ph type="sldImg"/>
+          </p:nvPr>
+        </p:nvSpPr>
+        <p:spPr/>
+      </p:sp>
+      <p:sp>
+        <p:nvSpPr>
+          <p:cNvPr id="3" name="Symbol zastępczy notatek 2"/>
+          <p:cNvSpPr>
+            <a:spLocks noGrp="1"/>
+          </p:cNvSpPr>
+          <p:nvPr>
+            <p:ph type="body" idx="1"/>
+          </p:nvPr>
+        </p:nvSpPr>
+        <p:spPr/>
+        <p:txBody>
+          <a:bodyPr/>
+          <a:lstStyle/>
+          <a:p>
+            <a:r>
+              <a:rPr lang="pl-PL" dirty="0"/>
+              <a:t>Opowiedz o tym jak przychodziły ci te pomysły. Konkretnie zacznij od tego jak wybierałeś sposób zrobienia bo miałeś plan w głowie ale narzędzia jeszcze dobierałeś. Sprawdziłeś że macro ma swoją część funkcji, a </a:t>
+            </a:r>
+            <a:r>
+              <a:rPr lang="pl-PL" dirty="0" err="1"/>
+              <a:t>function</a:t>
+            </a:r>
+            <a:r>
+              <a:rPr lang="pl-PL" dirty="0"/>
+              <a:t> dopomagało </a:t>
+            </a:r>
+            <a:r>
+              <a:rPr lang="pl-PL"/>
+              <a:t>do tego.</a:t>
+            </a:r>
+            <a:endParaRPr lang="pl-PL" dirty="0"/>
+          </a:p>
+        </p:txBody>
+      </p:sp>
+      <p:sp>
+        <p:nvSpPr>
+          <p:cNvPr id="4" name="Symbol zastępczy numeru slajdu 3"/>
+          <p:cNvSpPr>
+            <a:spLocks noGrp="1"/>
+          </p:cNvSpPr>
+          <p:nvPr>
+            <p:ph type="sldNum" sz="quarter" idx="5"/>
+          </p:nvPr>
+        </p:nvSpPr>
+        <p:spPr/>
+        <p:txBody>
+          <a:bodyPr/>
+          <a:lstStyle/>
+          <a:p>
+            <a:fld id="{21DC911A-6862-40D2-9464-CD284DC38843}" type="slidenum">
+              <a:rPr lang="pl-PL" smtClean="0"/>
+              <a:t>2</a:t>
+            </a:fld>
+            <a:endParaRPr lang="pl-PL"/>
+          </a:p>
+        </p:txBody>
+      </p:sp>
+    </p:spTree>
+    <p:extLst>
+      <p:ext uri="{BB962C8B-B14F-4D97-AF65-F5344CB8AC3E}">
+        <p14:creationId xmlns:p14="http://schemas.microsoft.com/office/powerpoint/2010/main" val="1453179118"/>
+      </p:ext>
+    </p:extLst>
+  </p:cSld>
+  <p:clrMapOvr>
+    <a:masterClrMapping/>
+  </p:clrMapOvr>
+</p:notes>
+</file>
+
 <file path=ppt/slideLayouts/slideLayout1.xml><?xml version="1.0" encoding="utf-8"?>
 <p:sldLayout xmlns:a="http://schemas.openxmlformats.org/drawingml/2006/main" xmlns:r="http://schemas.openxmlformats.org/officeDocument/2006/relationships" xmlns:p="http://schemas.openxmlformats.org/presentationml/2006/main" type="title" preserve="1">
   <p:cSld name="Slajd tytułowy">
@@ -694,7 +799,7 @@
           <a:p>
             <a:fld id="{DA3BF97A-EE4D-44E7-80B5-293CF1DAADA0}" type="datetimeFigureOut">
               <a:rPr lang="pl-PL" smtClean="0"/>
-              <a:t>14.10.2024</a:t>
+              <a:t>15.10.2024</a:t>
             </a:fld>
             <a:endParaRPr lang="pl-PL"/>
           </a:p>
@@ -892,7 +997,7 @@
           <a:p>
             <a:fld id="{DA3BF97A-EE4D-44E7-80B5-293CF1DAADA0}" type="datetimeFigureOut">
               <a:rPr lang="pl-PL" smtClean="0"/>
-              <a:t>14.10.2024</a:t>
+              <a:t>15.10.2024</a:t>
             </a:fld>
             <a:endParaRPr lang="pl-PL"/>
           </a:p>
@@ -1100,7 +1205,7 @@
           <a:p>
             <a:fld id="{DA3BF97A-EE4D-44E7-80B5-293CF1DAADA0}" type="datetimeFigureOut">
               <a:rPr lang="pl-PL" smtClean="0"/>
-              <a:t>14.10.2024</a:t>
+              <a:t>15.10.2024</a:t>
             </a:fld>
             <a:endParaRPr lang="pl-PL"/>
           </a:p>
@@ -1298,7 +1403,7 @@
           <a:p>
             <a:fld id="{DA3BF97A-EE4D-44E7-80B5-293CF1DAADA0}" type="datetimeFigureOut">
               <a:rPr lang="pl-PL" smtClean="0"/>
-              <a:t>14.10.2024</a:t>
+              <a:t>15.10.2024</a:t>
             </a:fld>
             <a:endParaRPr lang="pl-PL"/>
           </a:p>
@@ -1573,7 +1678,7 @@
           <a:p>
             <a:fld id="{DA3BF97A-EE4D-44E7-80B5-293CF1DAADA0}" type="datetimeFigureOut">
               <a:rPr lang="pl-PL" smtClean="0"/>
-              <a:t>14.10.2024</a:t>
+              <a:t>15.10.2024</a:t>
             </a:fld>
             <a:endParaRPr lang="pl-PL"/>
           </a:p>
@@ -1838,7 +1943,7 @@
           <a:p>
             <a:fld id="{DA3BF97A-EE4D-44E7-80B5-293CF1DAADA0}" type="datetimeFigureOut">
               <a:rPr lang="pl-PL" smtClean="0"/>
-              <a:t>14.10.2024</a:t>
+              <a:t>15.10.2024</a:t>
             </a:fld>
             <a:endParaRPr lang="pl-PL"/>
           </a:p>
@@ -2250,7 +2355,7 @@
           <a:p>
             <a:fld id="{DA3BF97A-EE4D-44E7-80B5-293CF1DAADA0}" type="datetimeFigureOut">
               <a:rPr lang="pl-PL" smtClean="0"/>
-              <a:t>14.10.2024</a:t>
+              <a:t>15.10.2024</a:t>
             </a:fld>
             <a:endParaRPr lang="pl-PL"/>
           </a:p>
@@ -2391,7 +2496,7 @@
           <a:p>
             <a:fld id="{DA3BF97A-EE4D-44E7-80B5-293CF1DAADA0}" type="datetimeFigureOut">
               <a:rPr lang="pl-PL" smtClean="0"/>
-              <a:t>14.10.2024</a:t>
+              <a:t>15.10.2024</a:t>
             </a:fld>
             <a:endParaRPr lang="pl-PL"/>
           </a:p>
@@ -2504,7 +2609,7 @@
           <a:p>
             <a:fld id="{DA3BF97A-EE4D-44E7-80B5-293CF1DAADA0}" type="datetimeFigureOut">
               <a:rPr lang="pl-PL" smtClean="0"/>
-              <a:t>14.10.2024</a:t>
+              <a:t>15.10.2024</a:t>
             </a:fld>
             <a:endParaRPr lang="pl-PL"/>
           </a:p>
@@ -2815,7 +2920,7 @@
           <a:p>
             <a:fld id="{DA3BF97A-EE4D-44E7-80B5-293CF1DAADA0}" type="datetimeFigureOut">
               <a:rPr lang="pl-PL" smtClean="0"/>
-              <a:t>14.10.2024</a:t>
+              <a:t>15.10.2024</a:t>
             </a:fld>
             <a:endParaRPr lang="pl-PL"/>
           </a:p>
@@ -3103,7 +3208,7 @@
           <a:p>
             <a:fld id="{DA3BF97A-EE4D-44E7-80B5-293CF1DAADA0}" type="datetimeFigureOut">
               <a:rPr lang="pl-PL" smtClean="0"/>
-              <a:t>14.10.2024</a:t>
+              <a:t>15.10.2024</a:t>
             </a:fld>
             <a:endParaRPr lang="pl-PL"/>
           </a:p>
@@ -3344,7 +3449,7 @@
           <a:p>
             <a:fld id="{DA3BF97A-EE4D-44E7-80B5-293CF1DAADA0}" type="datetimeFigureOut">
               <a:rPr lang="pl-PL" smtClean="0"/>
-              <a:t>14.10.2024</a:t>
+              <a:t>15.10.2024</a:t>
             </a:fld>
             <a:endParaRPr lang="pl-PL"/>
           </a:p>
@@ -4123,7 +4228,10 @@
           <a:bodyPr/>
           <a:lstStyle/>
           <a:p>
-            <a:endParaRPr lang="pl-PL"/>
+            <a:r>
+              <a:rPr lang="pl-PL" dirty="0"/>
+              <a:t>Następny etap</a:t>
+            </a:r>
           </a:p>
         </p:txBody>
       </p:sp>
@@ -4148,7 +4256,10 @@
           <a:bodyPr/>
           <a:lstStyle/>
           <a:p>
-            <a:endParaRPr lang="pl-PL"/>
+            <a:pPr marL="0" indent="0">
+              <a:buNone/>
+            </a:pPr>
+            <a:endParaRPr lang="pl-PL" dirty="0"/>
           </a:p>
         </p:txBody>
       </p:sp>

--- a/ogólny/Prezentacja 1.pptx
+++ b/ogólny/Prezentacja 1.pptx
@@ -598,19 +598,27 @@
           <a:p>
             <a:r>
               <a:rPr lang="pl-PL" dirty="0"/>
-              <a:t>Opowiedz o tym jak przychodziły ci te pomysły. Konkretnie zacznij od tego jak wybierałeś sposób zrobienia bo miałeś plan w głowie ale narzędzia jeszcze dobierałeś. Sprawdziłeś że macro ma swoją część funkcji, a </a:t>
+              <a:t>Zacznij od zagajenia – Pracę zacząłem mając koncept, ale nie mając do końca pojęcia co mogę wykorzystać do tego. Na poprzednim slajdzie pokazałem moją tablicę myśli. Od niej się odnosiłem, tworząc 3 pytania (klik). Pierwsze to (przeczytaj 1). Takie pytanie narodziło się by znaleźć co mogę wykorzystać by zrobić część z pomysłem. Przeglądając Internet napotkałem na różne pomysły na zrobienie tego co ja ale nie do końca z otoczką łatwej implementacji z użyciem tylko </a:t>
             </a:r>
             <a:r>
               <a:rPr lang="pl-PL" dirty="0" err="1"/>
-              <a:t>function</a:t>
+              <a:t>Blueprinta</a:t>
             </a:r>
             <a:r>
               <a:rPr lang="pl-PL" dirty="0"/>
-              <a:t> dopomagało </a:t>
-            </a:r>
-            <a:r>
-              <a:rPr lang="pl-PL"/>
-              <a:t>do tego.</a:t>
+              <a:t>, więc inspirując się ogólną koncepcją. W tedy narodziło mi się drugie pytanie (klik 2 czytaj). Myślałem na zrobieniem funkcji, tylko miały mankament że nie do końca działały jak chciałem. Nie chciałem by od razu wykonywały funkcje po, a jednocześnie nie chciałem zmuszać osoby programujące do używania własnych </a:t>
+            </a:r>
+            <a:r>
+              <a:rPr lang="pl-PL" dirty="0" err="1"/>
+              <a:t>Delay</a:t>
+            </a:r>
+            <a:r>
+              <a:rPr lang="pl-PL" dirty="0"/>
+              <a:t>, czyli funkcji zatrzymywania kodu. W tedy natrafiłem na Macro, które nie tylko pozwalały na zatrzymywanie funkcji, ale też posiadały wiele opcji do dawanie deklaracji kontynuacji. To było to. W tedy jak wziąłem się dalej za robotę to narodziło się najtrudniejsze pytanie, które do teraz rozwiązuję (klik i czytaj 3). Macro to dziwne pole do robienia funkcjonalności. Nie posiada możliwości tworzenia własnych wartości zmiennych, ale przy okazji jak próbowałem to rozwiązać okazywała się inna sprawa. Wywołuje się jedna funkcja macro, która w kodzie odnosi się do tej samej funkcji. To nie było to co chciałem więc po testach odkryłem że połączenie macro z funkcjami działa </a:t>
+            </a:r>
+            <a:r>
+              <a:rPr lang="pl-PL"/>
+              <a:t>dobrze. </a:t>
             </a:r>
             <a:endParaRPr lang="pl-PL" dirty="0"/>
           </a:p>
@@ -4230,7 +4238,7 @@
           <a:p>
             <a:r>
               <a:rPr lang="pl-PL" dirty="0"/>
-              <a:t>Następny etap</a:t>
+              <a:t>Praca</a:t>
             </a:r>
           </a:p>
         </p:txBody>
@@ -4256,8 +4264,35 @@
           <a:bodyPr/>
           <a:lstStyle/>
           <a:p>
-            <a:pPr marL="0" indent="0">
-              <a:buNone/>
+            <a:pPr marL="514350" indent="-514350">
+              <a:buAutoNum type="arabicPeriod"/>
+            </a:pPr>
+            <a:r>
+              <a:rPr lang="pl-PL" dirty="0"/>
+              <a:t>Jak do tego podejść?</a:t>
+            </a:r>
+          </a:p>
+          <a:p>
+            <a:pPr marL="514350" indent="-514350">
+              <a:buAutoNum type="arabicPeriod"/>
+            </a:pPr>
+            <a:r>
+              <a:rPr lang="pl-PL" dirty="0"/>
+              <a:t>Co użyć?</a:t>
+            </a:r>
+          </a:p>
+          <a:p>
+            <a:pPr marL="514350" indent="-514350">
+              <a:buAutoNum type="arabicPeriod"/>
+            </a:pPr>
+            <a:r>
+              <a:rPr lang="pl-PL" dirty="0"/>
+              <a:t>Jak przeskoczyć ograniczenia?</a:t>
+            </a:r>
+          </a:p>
+          <a:p>
+            <a:pPr marL="514350" indent="-514350">
+              <a:buAutoNum type="arabicPeriod"/>
             </a:pPr>
             <a:endParaRPr lang="pl-PL" dirty="0"/>
           </a:p>
@@ -4273,6 +4308,186 @@
   <p:clrMapOvr>
     <a:masterClrMapping/>
   </p:clrMapOvr>
+  <p:timing>
+    <p:tnLst>
+      <p:par>
+        <p:cTn id="1" dur="indefinite" restart="never" nodeType="tmRoot">
+          <p:childTnLst>
+            <p:seq concurrent="1" nextAc="seek">
+              <p:cTn id="2" dur="indefinite" nodeType="mainSeq">
+                <p:childTnLst>
+                  <p:par>
+                    <p:cTn id="3" fill="hold">
+                      <p:stCondLst>
+                        <p:cond delay="indefinite"/>
+                      </p:stCondLst>
+                      <p:childTnLst>
+                        <p:par>
+                          <p:cTn id="4" fill="hold">
+                            <p:stCondLst>
+                              <p:cond delay="0"/>
+                            </p:stCondLst>
+                            <p:childTnLst>
+                              <p:par>
+                                <p:cTn id="5" presetID="1" presetClass="entr" presetSubtype="0" fill="hold" grpId="0" nodeType="clickEffect">
+                                  <p:stCondLst>
+                                    <p:cond delay="0"/>
+                                  </p:stCondLst>
+                                  <p:childTnLst>
+                                    <p:set>
+                                      <p:cBhvr>
+                                        <p:cTn id="6" dur="1" fill="hold">
+                                          <p:stCondLst>
+                                            <p:cond delay="0"/>
+                                          </p:stCondLst>
+                                        </p:cTn>
+                                        <p:tgtEl>
+                                          <p:spTgt spid="3">
+                                            <p:txEl>
+                                              <p:pRg st="0" end="0"/>
+                                            </p:txEl>
+                                          </p:spTgt>
+                                        </p:tgtEl>
+                                        <p:attrNameLst>
+                                          <p:attrName>style.visibility</p:attrName>
+                                        </p:attrNameLst>
+                                      </p:cBhvr>
+                                      <p:to>
+                                        <p:strVal val="visible"/>
+                                      </p:to>
+                                    </p:set>
+                                  </p:childTnLst>
+                                </p:cTn>
+                              </p:par>
+                            </p:childTnLst>
+                          </p:cTn>
+                        </p:par>
+                      </p:childTnLst>
+                    </p:cTn>
+                  </p:par>
+                  <p:par>
+                    <p:cTn id="7" fill="hold">
+                      <p:stCondLst>
+                        <p:cond delay="indefinite"/>
+                      </p:stCondLst>
+                      <p:childTnLst>
+                        <p:par>
+                          <p:cTn id="8" fill="hold">
+                            <p:stCondLst>
+                              <p:cond delay="0"/>
+                            </p:stCondLst>
+                            <p:childTnLst>
+                              <p:par>
+                                <p:cTn id="9" presetID="1" presetClass="entr" presetSubtype="0" fill="hold" grpId="0" nodeType="clickEffect">
+                                  <p:stCondLst>
+                                    <p:cond delay="0"/>
+                                  </p:stCondLst>
+                                  <p:childTnLst>
+                                    <p:set>
+                                      <p:cBhvr>
+                                        <p:cTn id="10" dur="1" fill="hold">
+                                          <p:stCondLst>
+                                            <p:cond delay="0"/>
+                                          </p:stCondLst>
+                                        </p:cTn>
+                                        <p:tgtEl>
+                                          <p:spTgt spid="3">
+                                            <p:txEl>
+                                              <p:pRg st="1" end="1"/>
+                                            </p:txEl>
+                                          </p:spTgt>
+                                        </p:tgtEl>
+                                        <p:attrNameLst>
+                                          <p:attrName>style.visibility</p:attrName>
+                                        </p:attrNameLst>
+                                      </p:cBhvr>
+                                      <p:to>
+                                        <p:strVal val="visible"/>
+                                      </p:to>
+                                    </p:set>
+                                  </p:childTnLst>
+                                </p:cTn>
+                              </p:par>
+                            </p:childTnLst>
+                          </p:cTn>
+                        </p:par>
+                      </p:childTnLst>
+                    </p:cTn>
+                  </p:par>
+                  <p:par>
+                    <p:cTn id="11" fill="hold">
+                      <p:stCondLst>
+                        <p:cond delay="indefinite"/>
+                      </p:stCondLst>
+                      <p:childTnLst>
+                        <p:par>
+                          <p:cTn id="12" fill="hold">
+                            <p:stCondLst>
+                              <p:cond delay="0"/>
+                            </p:stCondLst>
+                            <p:childTnLst>
+                              <p:par>
+                                <p:cTn id="13" presetID="1" presetClass="entr" presetSubtype="0" fill="hold" grpId="0" nodeType="clickEffect">
+                                  <p:stCondLst>
+                                    <p:cond delay="0"/>
+                                  </p:stCondLst>
+                                  <p:childTnLst>
+                                    <p:set>
+                                      <p:cBhvr>
+                                        <p:cTn id="14" dur="1" fill="hold">
+                                          <p:stCondLst>
+                                            <p:cond delay="0"/>
+                                          </p:stCondLst>
+                                        </p:cTn>
+                                        <p:tgtEl>
+                                          <p:spTgt spid="3">
+                                            <p:txEl>
+                                              <p:pRg st="2" end="2"/>
+                                            </p:txEl>
+                                          </p:spTgt>
+                                        </p:tgtEl>
+                                        <p:attrNameLst>
+                                          <p:attrName>style.visibility</p:attrName>
+                                        </p:attrNameLst>
+                                      </p:cBhvr>
+                                      <p:to>
+                                        <p:strVal val="visible"/>
+                                      </p:to>
+                                    </p:set>
+                                  </p:childTnLst>
+                                </p:cTn>
+                              </p:par>
+                            </p:childTnLst>
+                          </p:cTn>
+                        </p:par>
+                      </p:childTnLst>
+                    </p:cTn>
+                  </p:par>
+                </p:childTnLst>
+              </p:cTn>
+              <p:prevCondLst>
+                <p:cond evt="onPrev" delay="0">
+                  <p:tgtEl>
+                    <p:sldTgt/>
+                  </p:tgtEl>
+                </p:cond>
+              </p:prevCondLst>
+              <p:nextCondLst>
+                <p:cond evt="onNext" delay="0">
+                  <p:tgtEl>
+                    <p:sldTgt/>
+                  </p:tgtEl>
+                </p:cond>
+              </p:nextCondLst>
+            </p:seq>
+          </p:childTnLst>
+        </p:cTn>
+      </p:par>
+    </p:tnLst>
+    <p:bldLst>
+      <p:bldP spid="3" grpId="0" uiExpand="1" build="p"/>
+    </p:bldLst>
+  </p:timing>
 </p:sld>
 </file>
 

--- a/ogólny/Prezentacja 1.pptx
+++ b/ogólny/Prezentacja 1.pptx
@@ -198,7 +198,7 @@
           <a:p>
             <a:fld id="{43332721-1742-449A-B2B6-2D3F57F55916}" type="datetimeFigureOut">
               <a:rPr lang="pl-PL" smtClean="0"/>
-              <a:t>15.10.2024</a:t>
+              <a:t>16.10.2024</a:t>
             </a:fld>
             <a:endParaRPr lang="pl-PL"/>
           </a:p>
@@ -511,8 +511,13 @@
           <a:p>
             <a:r>
               <a:rPr lang="pl-PL" dirty="0"/>
-              <a:t>Zacznij od informacji ogólnie co to jest. </a:t>
-            </a:r>
+              <a:t>Zacznij od informacji ogólnie co to jest. Zaznaczaj i opisz elementy, które </a:t>
+            </a:r>
+            <a:r>
+              <a:rPr lang="pl-PL"/>
+              <a:t>odpowiadają czemu.</a:t>
+            </a:r>
+            <a:endParaRPr lang="pl-PL" dirty="0"/>
           </a:p>
         </p:txBody>
       </p:sp>
@@ -807,7 +812,7 @@
           <a:p>
             <a:fld id="{DA3BF97A-EE4D-44E7-80B5-293CF1DAADA0}" type="datetimeFigureOut">
               <a:rPr lang="pl-PL" smtClean="0"/>
-              <a:t>15.10.2024</a:t>
+              <a:t>16.10.2024</a:t>
             </a:fld>
             <a:endParaRPr lang="pl-PL"/>
           </a:p>
@@ -1005,7 +1010,7 @@
           <a:p>
             <a:fld id="{DA3BF97A-EE4D-44E7-80B5-293CF1DAADA0}" type="datetimeFigureOut">
               <a:rPr lang="pl-PL" smtClean="0"/>
-              <a:t>15.10.2024</a:t>
+              <a:t>16.10.2024</a:t>
             </a:fld>
             <a:endParaRPr lang="pl-PL"/>
           </a:p>
@@ -1213,7 +1218,7 @@
           <a:p>
             <a:fld id="{DA3BF97A-EE4D-44E7-80B5-293CF1DAADA0}" type="datetimeFigureOut">
               <a:rPr lang="pl-PL" smtClean="0"/>
-              <a:t>15.10.2024</a:t>
+              <a:t>16.10.2024</a:t>
             </a:fld>
             <a:endParaRPr lang="pl-PL"/>
           </a:p>
@@ -1411,7 +1416,7 @@
           <a:p>
             <a:fld id="{DA3BF97A-EE4D-44E7-80B5-293CF1DAADA0}" type="datetimeFigureOut">
               <a:rPr lang="pl-PL" smtClean="0"/>
-              <a:t>15.10.2024</a:t>
+              <a:t>16.10.2024</a:t>
             </a:fld>
             <a:endParaRPr lang="pl-PL"/>
           </a:p>
@@ -1686,7 +1691,7 @@
           <a:p>
             <a:fld id="{DA3BF97A-EE4D-44E7-80B5-293CF1DAADA0}" type="datetimeFigureOut">
               <a:rPr lang="pl-PL" smtClean="0"/>
-              <a:t>15.10.2024</a:t>
+              <a:t>16.10.2024</a:t>
             </a:fld>
             <a:endParaRPr lang="pl-PL"/>
           </a:p>
@@ -1951,7 +1956,7 @@
           <a:p>
             <a:fld id="{DA3BF97A-EE4D-44E7-80B5-293CF1DAADA0}" type="datetimeFigureOut">
               <a:rPr lang="pl-PL" smtClean="0"/>
-              <a:t>15.10.2024</a:t>
+              <a:t>16.10.2024</a:t>
             </a:fld>
             <a:endParaRPr lang="pl-PL"/>
           </a:p>
@@ -2363,7 +2368,7 @@
           <a:p>
             <a:fld id="{DA3BF97A-EE4D-44E7-80B5-293CF1DAADA0}" type="datetimeFigureOut">
               <a:rPr lang="pl-PL" smtClean="0"/>
-              <a:t>15.10.2024</a:t>
+              <a:t>16.10.2024</a:t>
             </a:fld>
             <a:endParaRPr lang="pl-PL"/>
           </a:p>
@@ -2504,7 +2509,7 @@
           <a:p>
             <a:fld id="{DA3BF97A-EE4D-44E7-80B5-293CF1DAADA0}" type="datetimeFigureOut">
               <a:rPr lang="pl-PL" smtClean="0"/>
-              <a:t>15.10.2024</a:t>
+              <a:t>16.10.2024</a:t>
             </a:fld>
             <a:endParaRPr lang="pl-PL"/>
           </a:p>
@@ -2617,7 +2622,7 @@
           <a:p>
             <a:fld id="{DA3BF97A-EE4D-44E7-80B5-293CF1DAADA0}" type="datetimeFigureOut">
               <a:rPr lang="pl-PL" smtClean="0"/>
-              <a:t>15.10.2024</a:t>
+              <a:t>16.10.2024</a:t>
             </a:fld>
             <a:endParaRPr lang="pl-PL"/>
           </a:p>
@@ -2928,7 +2933,7 @@
           <a:p>
             <a:fld id="{DA3BF97A-EE4D-44E7-80B5-293CF1DAADA0}" type="datetimeFigureOut">
               <a:rPr lang="pl-PL" smtClean="0"/>
-              <a:t>15.10.2024</a:t>
+              <a:t>16.10.2024</a:t>
             </a:fld>
             <a:endParaRPr lang="pl-PL"/>
           </a:p>
@@ -3216,7 +3221,7 @@
           <a:p>
             <a:fld id="{DA3BF97A-EE4D-44E7-80B5-293CF1DAADA0}" type="datetimeFigureOut">
               <a:rPr lang="pl-PL" smtClean="0"/>
-              <a:t>15.10.2024</a:t>
+              <a:t>16.10.2024</a:t>
             </a:fld>
             <a:endParaRPr lang="pl-PL"/>
           </a:p>
@@ -3457,7 +3462,7 @@
           <a:p>
             <a:fld id="{DA3BF97A-EE4D-44E7-80B5-293CF1DAADA0}" type="datetimeFigureOut">
               <a:rPr lang="pl-PL" smtClean="0"/>
-              <a:t>15.10.2024</a:t>
+              <a:t>16.10.2024</a:t>
             </a:fld>
             <a:endParaRPr lang="pl-PL"/>
           </a:p>

--- a/ogólny/Prezentacja 1.pptx
+++ b/ogólny/Prezentacja 1.pptx
@@ -511,13 +511,8 @@
           <a:p>
             <a:r>
               <a:rPr lang="pl-PL" dirty="0"/>
-              <a:t>Zacznij od informacji ogólnie co to jest. Zaznaczaj i opisz elementy, które </a:t>
-            </a:r>
-            <a:r>
-              <a:rPr lang="pl-PL"/>
-              <a:t>odpowiadają czemu.</a:t>
-            </a:r>
-            <a:endParaRPr lang="pl-PL" dirty="0"/>
+              <a:t>Zacznij od informacji ogólnie co to jest. Zaznaczaj i opisz elementy, które odpowiadają każdemu sektorowi.</a:t>
+            </a:r>
           </a:p>
         </p:txBody>
       </p:sp>
@@ -619,13 +614,8 @@
             </a:r>
             <a:r>
               <a:rPr lang="pl-PL" dirty="0"/>
-              <a:t>, czyli funkcji zatrzymywania kodu. W tedy natrafiłem na Macro, które nie tylko pozwalały na zatrzymywanie funkcji, ale też posiadały wiele opcji do dawanie deklaracji kontynuacji. To było to. W tedy jak wziąłem się dalej za robotę to narodziło się najtrudniejsze pytanie, które do teraz rozwiązuję (klik i czytaj 3). Macro to dziwne pole do robienia funkcjonalności. Nie posiada możliwości tworzenia własnych wartości zmiennych, ale przy okazji jak próbowałem to rozwiązać okazywała się inna sprawa. Wywołuje się jedna funkcja macro, która w kodzie odnosi się do tej samej funkcji. To nie było to co chciałem więc po testach odkryłem że połączenie macro z funkcjami działa </a:t>
-            </a:r>
-            <a:r>
-              <a:rPr lang="pl-PL"/>
-              <a:t>dobrze. </a:t>
-            </a:r>
-            <a:endParaRPr lang="pl-PL" dirty="0"/>
+              <a:t>, czyli funkcji zatrzymywania kodu. W tedy natrafiłem na Macro, które nie tylko pozwalały na zatrzymywanie funkcji, ale też posiadały wiele opcji do dawanie deklaracji kontynuacji. To było to. W tedy jak wziąłem się dalej za robotę to narodziło się najtrudniejsze pytanie, które do teraz rozwiązuję (klik i czytaj 3). Macro to dziwne pole do robienia funkcjonalności. Nie posiada możliwości tworzenia własnych wartości zmiennych, ale przy okazji jak próbowałem to rozwiązać okazywała się inna sprawa. Wywołuje się jedna funkcja macro, która w kodzie odnosi się do tej samej funkcji. To nie było to co chciałem więc po testach odkryłem że połączenie macro z funkcjami działa dobrze. </a:t>
+            </a:r>
           </a:p>
         </p:txBody>
       </p:sp>
@@ -4090,44 +4080,35 @@
           </a:prstGeom>
         </p:spPr>
       </p:pic>
-      <p:sp>
-        <p:nvSpPr>
-          <p:cNvPr id="9" name="Content Placeholder 8">
-            <a:extLst>
-              <a:ext uri="{FF2B5EF4-FFF2-40B4-BE49-F238E27FC236}">
-                <a16:creationId xmlns:a16="http://schemas.microsoft.com/office/drawing/2014/main" id="{CB63A8AF-15A3-0CD8-D726-778F322820B4}"/>
-              </a:ext>
-            </a:extLst>
-          </p:cNvPr>
-          <p:cNvSpPr>
-            <a:spLocks noGrp="1"/>
-          </p:cNvSpPr>
+      <p:pic>
+        <p:nvPicPr>
+          <p:cNvPr id="6" name="Symbol zastępczy zawartości 5">
+            <a:extLst>
+              <a:ext uri="{FF2B5EF4-FFF2-40B4-BE49-F238E27FC236}">
+                <a16:creationId xmlns:a16="http://schemas.microsoft.com/office/drawing/2014/main" id="{2A77A7DE-DB1B-5E06-699E-5751B6C30BF2}"/>
+              </a:ext>
+            </a:extLst>
+          </p:cNvPr>
+          <p:cNvPicPr>
+            <a:picLocks noGrp="1" noChangeAspect="1"/>
+          </p:cNvPicPr>
           <p:nvPr>
             <p:ph idx="1"/>
           </p:nvPr>
-        </p:nvSpPr>
+        </p:nvPicPr>
+        <p:blipFill>
+          <a:blip r:embed="rId4"/>
+          <a:stretch>
+            <a:fillRect/>
+          </a:stretch>
+        </p:blipFill>
         <p:spPr>
           <a:xfrm>
-            <a:off x="6392583" y="2645922"/>
-            <a:ext cx="4434721" cy="3710427"/>
+            <a:off x="142559" y="42848"/>
+            <a:ext cx="11906881" cy="6313501"/>
           </a:xfrm>
         </p:spPr>
-        <p:txBody>
-          <a:bodyPr anchor="t">
-            <a:normAutofit/>
-          </a:bodyPr>
-          <a:lstStyle/>
-          <a:p>
-            <a:endParaRPr lang="en-US" sz="2000" dirty="0">
-              <a:solidFill>
-                <a:schemeClr val="tx1">
-                  <a:alpha val="80000"/>
-                </a:schemeClr>
-              </a:solidFill>
-            </a:endParaRPr>
-          </a:p>
-        </p:txBody>
-      </p:sp>
+      </p:pic>
       <p:cxnSp>
         <p:nvCxnSpPr>
           <p:cNvPr id="16" name="Straight Connector 15">
@@ -4200,6 +4181,218 @@
   <p:clrMapOvr>
     <a:masterClrMapping/>
   </p:clrMapOvr>
+  <p:timing>
+    <p:tnLst>
+      <p:par>
+        <p:cTn id="1" dur="indefinite" restart="never" nodeType="tmRoot">
+          <p:childTnLst>
+            <p:seq concurrent="1" nextAc="seek">
+              <p:cTn id="2" dur="indefinite" nodeType="mainSeq">
+                <p:childTnLst>
+                  <p:par>
+                    <p:cTn id="3" fill="hold">
+                      <p:stCondLst>
+                        <p:cond delay="indefinite"/>
+                      </p:stCondLst>
+                      <p:childTnLst>
+                        <p:par>
+                          <p:cTn id="4" fill="hold">
+                            <p:stCondLst>
+                              <p:cond delay="0"/>
+                            </p:stCondLst>
+                            <p:childTnLst>
+                              <p:par>
+                                <p:cTn id="5" presetID="2" presetClass="entr" presetSubtype="4" fill="hold" nodeType="clickEffect">
+                                  <p:stCondLst>
+                                    <p:cond delay="0"/>
+                                  </p:stCondLst>
+                                  <p:childTnLst>
+                                    <p:set>
+                                      <p:cBhvr>
+                                        <p:cTn id="6" dur="1" fill="hold">
+                                          <p:stCondLst>
+                                            <p:cond delay="0"/>
+                                          </p:stCondLst>
+                                        </p:cTn>
+                                        <p:tgtEl>
+                                          <p:spTgt spid="6"/>
+                                        </p:tgtEl>
+                                        <p:attrNameLst>
+                                          <p:attrName>style.visibility</p:attrName>
+                                        </p:attrNameLst>
+                                      </p:cBhvr>
+                                      <p:to>
+                                        <p:strVal val="visible"/>
+                                      </p:to>
+                                    </p:set>
+                                    <p:anim calcmode="lin" valueType="num">
+                                      <p:cBhvr additive="base">
+                                        <p:cTn id="7" dur="500" fill="hold"/>
+                                        <p:tgtEl>
+                                          <p:spTgt spid="6"/>
+                                        </p:tgtEl>
+                                        <p:attrNameLst>
+                                          <p:attrName>ppt_x</p:attrName>
+                                        </p:attrNameLst>
+                                      </p:cBhvr>
+                                      <p:tavLst>
+                                        <p:tav tm="0">
+                                          <p:val>
+                                            <p:strVal val="#ppt_x"/>
+                                          </p:val>
+                                        </p:tav>
+                                        <p:tav tm="100000">
+                                          <p:val>
+                                            <p:strVal val="#ppt_x"/>
+                                          </p:val>
+                                        </p:tav>
+                                      </p:tavLst>
+                                    </p:anim>
+                                    <p:anim calcmode="lin" valueType="num">
+                                      <p:cBhvr additive="base">
+                                        <p:cTn id="8" dur="500" fill="hold"/>
+                                        <p:tgtEl>
+                                          <p:spTgt spid="6"/>
+                                        </p:tgtEl>
+                                        <p:attrNameLst>
+                                          <p:attrName>ppt_y</p:attrName>
+                                        </p:attrNameLst>
+                                      </p:cBhvr>
+                                      <p:tavLst>
+                                        <p:tav tm="0">
+                                          <p:val>
+                                            <p:strVal val="1+#ppt_h/2"/>
+                                          </p:val>
+                                        </p:tav>
+                                        <p:tav tm="100000">
+                                          <p:val>
+                                            <p:strVal val="#ppt_y"/>
+                                          </p:val>
+                                        </p:tav>
+                                      </p:tavLst>
+                                    </p:anim>
+                                  </p:childTnLst>
+                                </p:cTn>
+                              </p:par>
+                            </p:childTnLst>
+                          </p:cTn>
+                        </p:par>
+                      </p:childTnLst>
+                    </p:cTn>
+                  </p:par>
+                  <p:par>
+                    <p:cTn id="9" fill="hold">
+                      <p:stCondLst>
+                        <p:cond delay="indefinite"/>
+                      </p:stCondLst>
+                      <p:childTnLst>
+                        <p:par>
+                          <p:cTn id="10" fill="hold">
+                            <p:stCondLst>
+                              <p:cond delay="0"/>
+                            </p:stCondLst>
+                            <p:childTnLst>
+                              <p:par>
+                                <p:cTn id="11" presetID="2" presetClass="exit" presetSubtype="4" fill="hold" nodeType="clickEffect">
+                                  <p:stCondLst>
+                                    <p:cond delay="0"/>
+                                  </p:stCondLst>
+                                  <p:childTnLst>
+                                    <p:anim calcmode="lin" valueType="num">
+                                      <p:cBhvr additive="base">
+                                        <p:cTn id="12" dur="500"/>
+                                        <p:tgtEl>
+                                          <p:spTgt spid="6"/>
+                                        </p:tgtEl>
+                                        <p:attrNameLst>
+                                          <p:attrName>ppt_x</p:attrName>
+                                        </p:attrNameLst>
+                                      </p:cBhvr>
+                                      <p:tavLst>
+                                        <p:tav tm="0">
+                                          <p:val>
+                                            <p:strVal val="ppt_x"/>
+                                          </p:val>
+                                        </p:tav>
+                                        <p:tav tm="100000">
+                                          <p:val>
+                                            <p:strVal val="ppt_x"/>
+                                          </p:val>
+                                        </p:tav>
+                                      </p:tavLst>
+                                    </p:anim>
+                                    <p:anim calcmode="lin" valueType="num">
+                                      <p:cBhvr additive="base">
+                                        <p:cTn id="13" dur="500"/>
+                                        <p:tgtEl>
+                                          <p:spTgt spid="6"/>
+                                        </p:tgtEl>
+                                        <p:attrNameLst>
+                                          <p:attrName>ppt_y</p:attrName>
+                                        </p:attrNameLst>
+                                      </p:cBhvr>
+                                      <p:tavLst>
+                                        <p:tav tm="0">
+                                          <p:val>
+                                            <p:strVal val="ppt_y"/>
+                                          </p:val>
+                                        </p:tav>
+                                        <p:tav tm="100000">
+                                          <p:val>
+                                            <p:strVal val="1+ppt_h/2"/>
+                                          </p:val>
+                                        </p:tav>
+                                      </p:tavLst>
+                                    </p:anim>
+                                    <p:set>
+                                      <p:cBhvr>
+                                        <p:cTn id="14" dur="1" fill="hold">
+                                          <p:stCondLst>
+                                            <p:cond delay="499"/>
+                                          </p:stCondLst>
+                                        </p:cTn>
+                                        <p:tgtEl>
+                                          <p:spTgt spid="6"/>
+                                        </p:tgtEl>
+                                        <p:attrNameLst>
+                                          <p:attrName>style.visibility</p:attrName>
+                                        </p:attrNameLst>
+                                      </p:cBhvr>
+                                      <p:to>
+                                        <p:strVal val="hidden"/>
+                                      </p:to>
+                                    </p:set>
+                                  </p:childTnLst>
+                                </p:cTn>
+                              </p:par>
+                            </p:childTnLst>
+                          </p:cTn>
+                        </p:par>
+                      </p:childTnLst>
+                    </p:cTn>
+                  </p:par>
+                </p:childTnLst>
+              </p:cTn>
+              <p:prevCondLst>
+                <p:cond evt="onPrev" delay="0">
+                  <p:tgtEl>
+                    <p:sldTgt/>
+                  </p:tgtEl>
+                </p:cond>
+              </p:prevCondLst>
+              <p:nextCondLst>
+                <p:cond evt="onNext" delay="0">
+                  <p:tgtEl>
+                    <p:sldTgt/>
+                  </p:tgtEl>
+                </p:cond>
+              </p:nextCondLst>
+            </p:seq>
+          </p:childTnLst>
+        </p:cTn>
+      </p:par>
+    </p:tnLst>
+  </p:timing>
 </p:sld>
 </file>
 

--- a/ogólny/Prezentacja 1.pptx
+++ b/ogólny/Prezentacja 1.pptx
@@ -198,7 +198,7 @@
           <a:p>
             <a:fld id="{43332721-1742-449A-B2B6-2D3F57F55916}" type="datetimeFigureOut">
               <a:rPr lang="pl-PL" smtClean="0"/>
-              <a:t>16.10.2024</a:t>
+              <a:t>21.10.2024</a:t>
             </a:fld>
             <a:endParaRPr lang="pl-PL"/>
           </a:p>
@@ -802,7 +802,7 @@
           <a:p>
             <a:fld id="{DA3BF97A-EE4D-44E7-80B5-293CF1DAADA0}" type="datetimeFigureOut">
               <a:rPr lang="pl-PL" smtClean="0"/>
-              <a:t>16.10.2024</a:t>
+              <a:t>21.10.2024</a:t>
             </a:fld>
             <a:endParaRPr lang="pl-PL"/>
           </a:p>
@@ -1000,7 +1000,7 @@
           <a:p>
             <a:fld id="{DA3BF97A-EE4D-44E7-80B5-293CF1DAADA0}" type="datetimeFigureOut">
               <a:rPr lang="pl-PL" smtClean="0"/>
-              <a:t>16.10.2024</a:t>
+              <a:t>21.10.2024</a:t>
             </a:fld>
             <a:endParaRPr lang="pl-PL"/>
           </a:p>
@@ -1208,7 +1208,7 @@
           <a:p>
             <a:fld id="{DA3BF97A-EE4D-44E7-80B5-293CF1DAADA0}" type="datetimeFigureOut">
               <a:rPr lang="pl-PL" smtClean="0"/>
-              <a:t>16.10.2024</a:t>
+              <a:t>21.10.2024</a:t>
             </a:fld>
             <a:endParaRPr lang="pl-PL"/>
           </a:p>
@@ -1406,7 +1406,7 @@
           <a:p>
             <a:fld id="{DA3BF97A-EE4D-44E7-80B5-293CF1DAADA0}" type="datetimeFigureOut">
               <a:rPr lang="pl-PL" smtClean="0"/>
-              <a:t>16.10.2024</a:t>
+              <a:t>21.10.2024</a:t>
             </a:fld>
             <a:endParaRPr lang="pl-PL"/>
           </a:p>
@@ -1681,7 +1681,7 @@
           <a:p>
             <a:fld id="{DA3BF97A-EE4D-44E7-80B5-293CF1DAADA0}" type="datetimeFigureOut">
               <a:rPr lang="pl-PL" smtClean="0"/>
-              <a:t>16.10.2024</a:t>
+              <a:t>21.10.2024</a:t>
             </a:fld>
             <a:endParaRPr lang="pl-PL"/>
           </a:p>
@@ -1946,7 +1946,7 @@
           <a:p>
             <a:fld id="{DA3BF97A-EE4D-44E7-80B5-293CF1DAADA0}" type="datetimeFigureOut">
               <a:rPr lang="pl-PL" smtClean="0"/>
-              <a:t>16.10.2024</a:t>
+              <a:t>21.10.2024</a:t>
             </a:fld>
             <a:endParaRPr lang="pl-PL"/>
           </a:p>
@@ -2358,7 +2358,7 @@
           <a:p>
             <a:fld id="{DA3BF97A-EE4D-44E7-80B5-293CF1DAADA0}" type="datetimeFigureOut">
               <a:rPr lang="pl-PL" smtClean="0"/>
-              <a:t>16.10.2024</a:t>
+              <a:t>21.10.2024</a:t>
             </a:fld>
             <a:endParaRPr lang="pl-PL"/>
           </a:p>
@@ -2499,7 +2499,7 @@
           <a:p>
             <a:fld id="{DA3BF97A-EE4D-44E7-80B5-293CF1DAADA0}" type="datetimeFigureOut">
               <a:rPr lang="pl-PL" smtClean="0"/>
-              <a:t>16.10.2024</a:t>
+              <a:t>21.10.2024</a:t>
             </a:fld>
             <a:endParaRPr lang="pl-PL"/>
           </a:p>
@@ -2612,7 +2612,7 @@
           <a:p>
             <a:fld id="{DA3BF97A-EE4D-44E7-80B5-293CF1DAADA0}" type="datetimeFigureOut">
               <a:rPr lang="pl-PL" smtClean="0"/>
-              <a:t>16.10.2024</a:t>
+              <a:t>21.10.2024</a:t>
             </a:fld>
             <a:endParaRPr lang="pl-PL"/>
           </a:p>
@@ -2923,7 +2923,7 @@
           <a:p>
             <a:fld id="{DA3BF97A-EE4D-44E7-80B5-293CF1DAADA0}" type="datetimeFigureOut">
               <a:rPr lang="pl-PL" smtClean="0"/>
-              <a:t>16.10.2024</a:t>
+              <a:t>21.10.2024</a:t>
             </a:fld>
             <a:endParaRPr lang="pl-PL"/>
           </a:p>
@@ -3211,7 +3211,7 @@
           <a:p>
             <a:fld id="{DA3BF97A-EE4D-44E7-80B5-293CF1DAADA0}" type="datetimeFigureOut">
               <a:rPr lang="pl-PL" smtClean="0"/>
-              <a:t>16.10.2024</a:t>
+              <a:t>21.10.2024</a:t>
             </a:fld>
             <a:endParaRPr lang="pl-PL"/>
           </a:p>
@@ -3452,7 +3452,7 @@
           <a:p>
             <a:fld id="{DA3BF97A-EE4D-44E7-80B5-293CF1DAADA0}" type="datetimeFigureOut">
               <a:rPr lang="pl-PL" smtClean="0"/>
-              <a:t>16.10.2024</a:t>
+              <a:t>21.10.2024</a:t>
             </a:fld>
             <a:endParaRPr lang="pl-PL"/>
           </a:p>
